--- a/Classification Project PPT.pptx
+++ b/Classification Project PPT.pptx
@@ -1538,7 +1538,7 @@
         <p:spPr>
           <a:xfrm>
             <a:off x="2150110" y="1963877"/>
-            <a:ext cx="8112125" cy="1230465"/>
+            <a:ext cx="8112125" cy="3038652"/>
           </a:xfrm>
           <a:prstGeom prst="rect">
             <a:avLst/>
@@ -1652,7 +1652,77 @@
               </a:rPr>
               <a:t>PREDICTION</a:t>
             </a:r>
-            <a:endParaRPr sz="4000" dirty="0">
+            <a:endParaRPr lang="en-US" sz="4000" spc="-5" dirty="0">
+              <a:solidFill>
+                <a:srgbClr val="1F487C"/>
+              </a:solidFill>
+              <a:latin typeface="Times New Roman"/>
+              <a:cs typeface="Times New Roman"/>
+            </a:endParaRPr>
+          </a:p>
+          <a:p>
+            <a:pPr marR="133985" algn="ctr">
+              <a:lnSpc>
+                <a:spcPts val="4740"/>
+              </a:lnSpc>
+              <a:spcBef>
+                <a:spcPts val="5"/>
+              </a:spcBef>
+            </a:pPr>
+            <a:endParaRPr lang="en-IN" sz="4000" spc="-5" dirty="0">
+              <a:solidFill>
+                <a:srgbClr val="1F487C"/>
+              </a:solidFill>
+              <a:latin typeface="Times New Roman"/>
+              <a:cs typeface="Times New Roman"/>
+            </a:endParaRPr>
+          </a:p>
+          <a:p>
+            <a:pPr marR="133985" algn="ctr">
+              <a:lnSpc>
+                <a:spcPts val="4740"/>
+              </a:lnSpc>
+              <a:spcBef>
+                <a:spcPts val="5"/>
+              </a:spcBef>
+            </a:pPr>
+            <a:endParaRPr lang="en-IN" sz="4000" spc="-5" dirty="0">
+              <a:solidFill>
+                <a:srgbClr val="1F487C"/>
+              </a:solidFill>
+              <a:latin typeface="Times New Roman"/>
+              <a:cs typeface="Times New Roman"/>
+            </a:endParaRPr>
+          </a:p>
+          <a:p>
+            <a:pPr marR="133985" algn="ctr">
+              <a:lnSpc>
+                <a:spcPts val="4740"/>
+              </a:lnSpc>
+              <a:spcBef>
+                <a:spcPts val="5"/>
+              </a:spcBef>
+            </a:pPr>
+            <a:r>
+              <a:rPr lang="en-IN" sz="4000" b="1" spc="-5" dirty="0">
+                <a:solidFill>
+                  <a:schemeClr val="tx1">
+                    <a:lumMod val="95000"/>
+                    <a:lumOff val="5000"/>
+                  </a:schemeClr>
+                </a:solidFill>
+                <a:latin typeface="Times New Roman"/>
+                <a:cs typeface="Times New Roman"/>
+              </a:rPr>
+              <a:t>KRISHANU SAHA</a:t>
+            </a:r>
+            <a:endParaRPr sz="4000" b="1" dirty="0">
+              <a:solidFill>
+                <a:schemeClr val="tx1">
+                  <a:lumMod val="95000"/>
+                  <a:lumOff val="5000"/>
+                </a:schemeClr>
+              </a:solidFill>
               <a:latin typeface="Times New Roman"/>
               <a:cs typeface="Times New Roman"/>
             </a:endParaRPr>
